--- a/Docs/HLD.pptx
+++ b/Docs/HLD.pptx
@@ -312,7 +312,7 @@
           <a:p>
             <a:fld id="{E0085932-A258-4FD6-97C4-F427ACC8F208}" type="datetimeFigureOut">
               <a:rPr lang="en-US" smtClean="0"/>
-              <a:t>10/2/2022</a:t>
+              <a:t>12/12/2022</a:t>
             </a:fld>
             <a:endParaRPr lang="en-US"/>
           </a:p>
@@ -482,7 +482,7 @@
           <a:p>
             <a:fld id="{E0085932-A258-4FD6-97C4-F427ACC8F208}" type="datetimeFigureOut">
               <a:rPr lang="en-US" smtClean="0"/>
-              <a:t>10/2/2022</a:t>
+              <a:t>12/12/2022</a:t>
             </a:fld>
             <a:endParaRPr lang="en-US"/>
           </a:p>
@@ -662,7 +662,7 @@
           <a:p>
             <a:fld id="{E0085932-A258-4FD6-97C4-F427ACC8F208}" type="datetimeFigureOut">
               <a:rPr lang="en-US" smtClean="0"/>
-              <a:t>10/2/2022</a:t>
+              <a:t>12/12/2022</a:t>
             </a:fld>
             <a:endParaRPr lang="en-US"/>
           </a:p>
@@ -832,7 +832,7 @@
           <a:p>
             <a:fld id="{E0085932-A258-4FD6-97C4-F427ACC8F208}" type="datetimeFigureOut">
               <a:rPr lang="en-US" smtClean="0"/>
-              <a:t>10/2/2022</a:t>
+              <a:t>12/12/2022</a:t>
             </a:fld>
             <a:endParaRPr lang="en-US"/>
           </a:p>
@@ -1078,7 +1078,7 @@
           <a:p>
             <a:fld id="{E0085932-A258-4FD6-97C4-F427ACC8F208}" type="datetimeFigureOut">
               <a:rPr lang="en-US" smtClean="0"/>
-              <a:t>10/2/2022</a:t>
+              <a:t>12/12/2022</a:t>
             </a:fld>
             <a:endParaRPr lang="en-US"/>
           </a:p>
@@ -1366,7 +1366,7 @@
           <a:p>
             <a:fld id="{E0085932-A258-4FD6-97C4-F427ACC8F208}" type="datetimeFigureOut">
               <a:rPr lang="en-US" smtClean="0"/>
-              <a:t>10/2/2022</a:t>
+              <a:t>12/12/2022</a:t>
             </a:fld>
             <a:endParaRPr lang="en-US"/>
           </a:p>
@@ -1788,7 +1788,7 @@
           <a:p>
             <a:fld id="{E0085932-A258-4FD6-97C4-F427ACC8F208}" type="datetimeFigureOut">
               <a:rPr lang="en-US" smtClean="0"/>
-              <a:t>10/2/2022</a:t>
+              <a:t>12/12/2022</a:t>
             </a:fld>
             <a:endParaRPr lang="en-US"/>
           </a:p>
@@ -1906,7 +1906,7 @@
           <a:p>
             <a:fld id="{E0085932-A258-4FD6-97C4-F427ACC8F208}" type="datetimeFigureOut">
               <a:rPr lang="en-US" smtClean="0"/>
-              <a:t>10/2/2022</a:t>
+              <a:t>12/12/2022</a:t>
             </a:fld>
             <a:endParaRPr lang="en-US"/>
           </a:p>
@@ -2001,7 +2001,7 @@
           <a:p>
             <a:fld id="{E0085932-A258-4FD6-97C4-F427ACC8F208}" type="datetimeFigureOut">
               <a:rPr lang="en-US" smtClean="0"/>
-              <a:t>10/2/2022</a:t>
+              <a:t>12/12/2022</a:t>
             </a:fld>
             <a:endParaRPr lang="en-US"/>
           </a:p>
@@ -2278,7 +2278,7 @@
           <a:p>
             <a:fld id="{E0085932-A258-4FD6-97C4-F427ACC8F208}" type="datetimeFigureOut">
               <a:rPr lang="en-US" smtClean="0"/>
-              <a:t>10/2/2022</a:t>
+              <a:t>12/12/2022</a:t>
             </a:fld>
             <a:endParaRPr lang="en-US"/>
           </a:p>
@@ -2531,7 +2531,7 @@
           <a:p>
             <a:fld id="{E0085932-A258-4FD6-97C4-F427ACC8F208}" type="datetimeFigureOut">
               <a:rPr lang="en-US" smtClean="0"/>
-              <a:t>10/2/2022</a:t>
+              <a:t>12/12/2022</a:t>
             </a:fld>
             <a:endParaRPr lang="en-US"/>
           </a:p>
@@ -2744,7 +2744,7 @@
           <a:p>
             <a:fld id="{E0085932-A258-4FD6-97C4-F427ACC8F208}" type="datetimeFigureOut">
               <a:rPr lang="en-US" smtClean="0"/>
-              <a:t>10/2/2022</a:t>
+              <a:t>12/12/2022</a:t>
             </a:fld>
             <a:endParaRPr lang="en-US"/>
           </a:p>
@@ -3981,7 +3981,7 @@
         </p:blipFill>
         <p:spPr bwMode="auto">
           <a:xfrm>
-            <a:off x="6253001" y="3780617"/>
+            <a:off x="5367127" y="3830072"/>
             <a:ext cx="1350519" cy="1350519"/>
           </a:xfrm>
           <a:prstGeom prst="rect">
@@ -5015,7 +5015,7 @@
         </p:nvSpPr>
         <p:spPr>
           <a:xfrm>
-            <a:off x="6360454" y="3608280"/>
+            <a:off x="5474580" y="3657735"/>
             <a:ext cx="1093066" cy="246221"/>
           </a:xfrm>
           <a:prstGeom prst="rect">
@@ -5313,118 +5313,6 @@
           <a:p>
             <a:pPr algn="ctr"/>
             <a:endParaRPr lang="ru-RU" b="1"/>
-          </a:p>
-        </p:txBody>
-      </p:sp>
-      <p:sp>
-        <p:nvSpPr>
-          <p:cNvPr id="47" name="Скругленный прямоугольник 54">
-            <a:extLst>
-              <a:ext uri="{FF2B5EF4-FFF2-40B4-BE49-F238E27FC236}">
-                <a16:creationId xmlns:a16="http://schemas.microsoft.com/office/drawing/2014/main" id="{CCAFD00E-A7D9-41B3-BDA1-C297D95D6514}"/>
-              </a:ext>
-            </a:extLst>
-          </p:cNvPr>
-          <p:cNvSpPr/>
-          <p:nvPr/>
-        </p:nvSpPr>
-        <p:spPr>
-          <a:xfrm>
-            <a:off x="5196064" y="4338186"/>
-            <a:ext cx="801091" cy="384109"/>
-          </a:xfrm>
-          <a:prstGeom prst="roundRect">
-            <a:avLst/>
-          </a:prstGeom>
-          <a:noFill/>
-          <a:ln w="12700"/>
-        </p:spPr>
-        <p:style>
-          <a:lnRef idx="2">
-            <a:schemeClr val="accent1">
-              <a:shade val="50000"/>
-            </a:schemeClr>
-          </a:lnRef>
-          <a:fillRef idx="1">
-            <a:schemeClr val="accent1"/>
-          </a:fillRef>
-          <a:effectRef idx="0">
-            <a:schemeClr val="accent1"/>
-          </a:effectRef>
-          <a:fontRef idx="minor">
-            <a:schemeClr val="lt1"/>
-          </a:fontRef>
-        </p:style>
-        <p:txBody>
-          <a:bodyPr rtlCol="0" anchor="ctr"/>
-          <a:lstStyle/>
-          <a:p>
-            <a:pPr algn="ctr"/>
-            <a:r>
-              <a:rPr lang="en-US" sz="800" dirty="0">
-                <a:solidFill>
-                  <a:schemeClr val="tx1"/>
-                </a:solidFill>
-              </a:rPr>
-              <a:t>Cache</a:t>
-            </a:r>
-          </a:p>
-          <a:p>
-            <a:pPr algn="ctr"/>
-            <a:r>
-              <a:rPr lang="en-US" sz="800" dirty="0">
-                <a:solidFill>
-                  <a:schemeClr val="tx1"/>
-                </a:solidFill>
-              </a:rPr>
-              <a:t>Service</a:t>
-            </a:r>
-          </a:p>
-        </p:txBody>
-      </p:sp>
-      <p:sp>
-        <p:nvSpPr>
-          <p:cNvPr id="49" name="Двойная стрелка влево/вправо 67">
-            <a:extLst>
-              <a:ext uri="{FF2B5EF4-FFF2-40B4-BE49-F238E27FC236}">
-                <a16:creationId xmlns:a16="http://schemas.microsoft.com/office/drawing/2014/main" id="{0852E6F0-FF4D-4ECB-B13E-347C68B32AAB}"/>
-              </a:ext>
-            </a:extLst>
-          </p:cNvPr>
-          <p:cNvSpPr/>
-          <p:nvPr/>
-        </p:nvSpPr>
-        <p:spPr>
-          <a:xfrm>
-            <a:off x="5997155" y="4471128"/>
-            <a:ext cx="361089" cy="126192"/>
-          </a:xfrm>
-          <a:prstGeom prst="leftRightArrow">
-            <a:avLst/>
-          </a:prstGeom>
-        </p:spPr>
-        <p:style>
-          <a:lnRef idx="2">
-            <a:schemeClr val="accent1">
-              <a:shade val="50000"/>
-            </a:schemeClr>
-          </a:lnRef>
-          <a:fillRef idx="1">
-            <a:schemeClr val="accent1"/>
-          </a:fillRef>
-          <a:effectRef idx="0">
-            <a:schemeClr val="accent1"/>
-          </a:effectRef>
-          <a:fontRef idx="minor">
-            <a:schemeClr val="lt1"/>
-          </a:fontRef>
-        </p:style>
-        <p:txBody>
-          <a:bodyPr rtlCol="0" anchor="ctr"/>
-          <a:lstStyle/>
-          <a:p>
-            <a:pPr algn="ctr"/>
-            <a:endParaRPr lang="en-US"/>
           </a:p>
         </p:txBody>
       </p:sp>
